--- a/Thuyết trình/Introduction.pptx
+++ b/Thuyết trình/Introduction.pptx
@@ -203,7 +203,7 @@
           <a:p>
             <a:fld id="{06A0F326-FA6E-4897-BD38-23DCE1E9C487}" type="datetimeFigureOut">
               <a:rPr lang="en-US" smtClean="0"/>
-              <a:t>5/3/2022</a:t>
+              <a:t>5/6/2022</a:t>
             </a:fld>
             <a:endParaRPr lang="en-US"/>
           </a:p>
@@ -27027,43 +27027,6 @@
       </p:grpSpPr>
       <p:sp>
         <p:nvSpPr>
-          <p:cNvPr id="110" name="Google Shape;110;p2"/>
-          <p:cNvSpPr txBox="1">
-            <a:spLocks noGrp="1"/>
-          </p:cNvSpPr>
-          <p:nvPr>
-            <p:ph type="title"/>
-          </p:nvPr>
-        </p:nvSpPr>
-        <p:spPr>
-          <a:xfrm>
-            <a:off x="3439073" y="-13028"/>
-            <a:ext cx="7680400" cy="1573792"/>
-          </a:xfrm>
-          <a:prstGeom prst="rect">
-            <a:avLst/>
-          </a:prstGeom>
-          <a:noFill/>
-          <a:ln>
-            <a:noFill/>
-          </a:ln>
-        </p:spPr>
-        <p:txBody>
-          <a:bodyPr spcFirstLastPara="1" wrap="square" lIns="121900" tIns="121900" rIns="121900" bIns="121900" anchor="b" anchorCtr="0">
-            <a:noAutofit/>
-          </a:bodyPr>
-          <a:lstStyle/>
-          <a:p>
-            <a:r>
-              <a:rPr lang="en-US" sz="6000" dirty="0"/>
-              <a:t>THUYẾT TRÌNH</a:t>
-            </a:r>
-            <a:endParaRPr sz="6000" dirty="0"/>
-          </a:p>
-        </p:txBody>
-      </p:sp>
-      <p:sp>
-        <p:nvSpPr>
           <p:cNvPr id="111" name="Google Shape;111;p2"/>
           <p:cNvSpPr txBox="1">
             <a:spLocks noGrp="1"/>
@@ -27074,8 +27037,8 @@
         </p:nvSpPr>
         <p:spPr>
           <a:xfrm>
-            <a:off x="3197905" y="1560764"/>
-            <a:ext cx="6484302" cy="2791622"/>
+            <a:off x="1046228" y="1127898"/>
+            <a:ext cx="9531333" cy="2791622"/>
           </a:xfrm>
           <a:prstGeom prst="rect">
             <a:avLst/>
@@ -27123,7 +27086,7 @@
               <a:t>án</a:t>
             </a:r>
             <a:r>
-              <a:rPr sz="5400" b="1" dirty="0" smtClean="0">
+              <a:rPr lang="en-US" sz="5400" b="1" dirty="0">
                 <a:solidFill>
                   <a:srgbClr val="FF3300"/>
                 </a:solidFill>
@@ -27131,15 +27094,15 @@
               <a:t> </a:t>
             </a:r>
             <a:r>
-              <a:rPr sz="5400" b="1" dirty="0" err="1" smtClean="0">
+              <a:rPr lang="en-US" sz="5400" b="1" dirty="0" err="1" smtClean="0">
                 <a:solidFill>
                   <a:srgbClr val="FF3300"/>
                 </a:solidFill>
               </a:rPr>
-              <a:t>thương</a:t>
+              <a:t>khóa</a:t>
             </a:r>
             <a:r>
-              <a:rPr sz="5400" b="1" dirty="0" smtClean="0">
+              <a:rPr lang="en-US" sz="5400" b="1" dirty="0" smtClean="0">
                 <a:solidFill>
                   <a:srgbClr val="FF3300"/>
                 </a:solidFill>
@@ -27147,28 +27110,44 @@
               <a:t> </a:t>
             </a:r>
             <a:r>
-              <a:rPr sz="5400" b="1" dirty="0" err="1" smtClean="0">
+              <a:rPr lang="en-US" sz="5400" b="1" dirty="0" err="1" smtClean="0">
                 <a:solidFill>
                   <a:srgbClr val="FF3300"/>
                 </a:solidFill>
               </a:rPr>
-              <a:t>mại</a:t>
+              <a:t>học</a:t>
             </a:r>
             <a:r>
-              <a:rPr sz="5400" b="1" dirty="0" smtClean="0">
+              <a:rPr lang="en-US" sz="5400" b="1" dirty="0" smtClean="0">
                 <a:solidFill>
                   <a:srgbClr val="FF3300"/>
                 </a:solidFill>
               </a:rPr>
-              <a:t> điện </a:t>
+              <a:t> </a:t>
             </a:r>
             <a:r>
-              <a:rPr sz="5400" b="1" dirty="0" err="1" smtClean="0">
+              <a:rPr lang="en-US" sz="5400" b="1" dirty="0" err="1" smtClean="0">
                 <a:solidFill>
                   <a:srgbClr val="FF3300"/>
                 </a:solidFill>
               </a:rPr>
-              <a:t>tử</a:t>
+              <a:t>trực</a:t>
+            </a:r>
+            <a:r>
+              <a:rPr lang="en-US" sz="5400" b="1" dirty="0" smtClean="0">
+                <a:solidFill>
+                  <a:srgbClr val="FF3300"/>
+                </a:solidFill>
+              </a:rPr>
+              <a:t> </a:t>
+            </a:r>
+            <a:r>
+              <a:rPr lang="en-US" sz="5400" b="1" dirty="0" err="1" smtClean="0">
+                <a:solidFill>
+                  <a:srgbClr val="FF3300"/>
+                </a:solidFill>
+              </a:rPr>
+              <a:t>tuyến</a:t>
             </a:r>
             <a:r>
               <a:rPr sz="5400" b="1" dirty="0" smtClean="0">
@@ -27206,7 +27185,7 @@
         </p:nvSpPr>
         <p:spPr>
           <a:xfrm>
-            <a:off x="1641355" y="1817250"/>
+            <a:off x="4950100" y="481647"/>
             <a:ext cx="1695451" cy="815549"/>
           </a:xfrm>
           <a:prstGeom prst="rect">
@@ -27258,7 +27237,7 @@
         </p:nvSpPr>
         <p:spPr>
           <a:xfrm>
-            <a:off x="4705351" y="4665758"/>
+            <a:off x="4030718" y="4680847"/>
             <a:ext cx="3562351" cy="823777"/>
           </a:xfrm>
           <a:prstGeom prst="rect">
@@ -27316,7 +27295,7 @@
         </p:nvSpPr>
         <p:spPr>
           <a:xfrm>
-            <a:off x="4705351" y="5646478"/>
+            <a:off x="4030718" y="5454630"/>
             <a:ext cx="3892091" cy="638733"/>
           </a:xfrm>
           <a:prstGeom prst="rect">
@@ -27367,7 +27346,7 @@
               <a:t>0</a:t>
             </a:r>
             <a:r>
-              <a:rPr lang="en-AS" b="1" i="1" kern="0" dirty="0" smtClean="0">
+              <a:rPr lang="en-US" b="1" i="1" kern="0" dirty="0">
                 <a:solidFill>
                   <a:srgbClr val="3796BF"/>
                 </a:solidFill>
@@ -27376,7 +27355,7 @@
                 <a:cs typeface="Roboto Condensed"/>
                 <a:sym typeface="Roboto Condensed"/>
               </a:rPr>
-              <a:t>3</a:t>
+              <a:t>6</a:t>
             </a:r>
             <a:r>
               <a:rPr lang="en-US" b="1" i="1" kern="0" dirty="0" smtClean="0">
@@ -30369,7 +30348,7 @@
         </p:nvSpPr>
         <p:spPr>
           <a:xfrm rot="2925831">
-            <a:off x="3151375" y="4769669"/>
+            <a:off x="2105074" y="4740921"/>
             <a:ext cx="281668" cy="268947"/>
           </a:xfrm>
           <a:custGeom>
@@ -33904,7 +33883,7 @@
         </p:nvSpPr>
         <p:spPr>
           <a:xfrm>
-            <a:off x="10344920" y="3429000"/>
+            <a:off x="9298619" y="3400252"/>
             <a:ext cx="376177" cy="359187"/>
           </a:xfrm>
           <a:custGeom>
@@ -34228,7 +34207,7 @@
         </p:nvSpPr>
         <p:spPr>
           <a:xfrm rot="2925831">
-            <a:off x="10084219" y="1587289"/>
+            <a:off x="9037918" y="1558541"/>
             <a:ext cx="281668" cy="268947"/>
           </a:xfrm>
           <a:custGeom>
@@ -35761,10 +35740,6 @@
             <a:r>
               <a:rPr lang="vi-VN" dirty="0"/>
               <a:t>mại điện tử</a:t>
-            </a:r>
-            <a:r>
-              <a:rPr lang="vi-VN" dirty="0"/>
-              <a:t/>
             </a:r>
             <a:br>
               <a:rPr lang="vi-VN" dirty="0"/>
